--- a/project ouderavond.pptx
+++ b/project ouderavond.pptx
@@ -116,9 +116,54 @@
 <file path=ppt/revisionInfo.xml><?xml version="1.0" encoding="utf-8"?>
 <p1510:revInfo xmlns:a="http://schemas.openxmlformats.org/drawingml/2006/main" xmlns:r="http://schemas.openxmlformats.org/officeDocument/2006/relationships" xmlns:p1510="http://schemas.microsoft.com/office/powerpoint/2015/10/main">
   <p1510:revLst>
-    <p1510:client id="{FDB173BF-2CBC-EA71-2814-EAA33BDE2195}" v="5" dt="2024-09-24T11:33:02.535"/>
+    <p1510:client id="{416A0D5C-B0EA-4559-B379-6AFFEF74F031}" v="1" dt="2024-10-01T10:53:36.143"/>
   </p1510:revLst>
 </p1510:revInfo>
+</file>
+
+<file path=ppt/changesInfos/changesInfo1.xml><?xml version="1.0" encoding="utf-8"?>
+<pc:chgInfo xmlns:a="http://schemas.openxmlformats.org/drawingml/2006/main" xmlns:r="http://schemas.openxmlformats.org/officeDocument/2006/relationships" xmlns:ac="http://schemas.microsoft.com/office/drawing/2013/main/command" xmlns:pc="http://schemas.microsoft.com/office/powerpoint/2013/main/command">
+  <pc:docChgLst>
+    <pc:chgData name="rayvano vos" userId="274996e6-0ab9-4abc-bb74-a8ad5be03cef" providerId="ADAL" clId="{416A0D5C-B0EA-4559-B379-6AFFEF74F031}"/>
+    <pc:docChg chg="modSld">
+      <pc:chgData name="rayvano vos" userId="274996e6-0ab9-4abc-bb74-a8ad5be03cef" providerId="ADAL" clId="{416A0D5C-B0EA-4559-B379-6AFFEF74F031}" dt="2024-10-01T10:53:45.747" v="9" actId="27614"/>
+      <pc:docMkLst>
+        <pc:docMk/>
+      </pc:docMkLst>
+      <pc:sldChg chg="addSp modSp mod">
+        <pc:chgData name="rayvano vos" userId="274996e6-0ab9-4abc-bb74-a8ad5be03cef" providerId="ADAL" clId="{416A0D5C-B0EA-4559-B379-6AFFEF74F031}" dt="2024-10-01T10:53:45.747" v="9" actId="27614"/>
+        <pc:sldMkLst>
+          <pc:docMk/>
+          <pc:sldMk cId="287969150" sldId="256"/>
+        </pc:sldMkLst>
+        <pc:spChg chg="mod">
+          <ac:chgData name="rayvano vos" userId="274996e6-0ab9-4abc-bb74-a8ad5be03cef" providerId="ADAL" clId="{416A0D5C-B0EA-4559-B379-6AFFEF74F031}" dt="2024-10-01T10:53:12.764" v="4" actId="14100"/>
+          <ac:spMkLst>
+            <pc:docMk/>
+            <pc:sldMk cId="287969150" sldId="256"/>
+            <ac:spMk id="2" creationId="{2A0EDCDB-2A5D-5FA1-AE6A-D97845C98874}"/>
+          </ac:spMkLst>
+        </pc:spChg>
+        <pc:spChg chg="mod">
+          <ac:chgData name="rayvano vos" userId="274996e6-0ab9-4abc-bb74-a8ad5be03cef" providerId="ADAL" clId="{416A0D5C-B0EA-4559-B379-6AFFEF74F031}" dt="2024-10-01T10:52:39.170" v="3" actId="20577"/>
+          <ac:spMkLst>
+            <pc:docMk/>
+            <pc:sldMk cId="287969150" sldId="256"/>
+            <ac:spMk id="3" creationId="{177E21C5-00A7-201A-5A80-98AF39554E6A}"/>
+          </ac:spMkLst>
+        </pc:spChg>
+        <pc:picChg chg="add mod">
+          <ac:chgData name="rayvano vos" userId="274996e6-0ab9-4abc-bb74-a8ad5be03cef" providerId="ADAL" clId="{416A0D5C-B0EA-4559-B379-6AFFEF74F031}" dt="2024-10-01T10:53:45.747" v="9" actId="27614"/>
+          <ac:picMkLst>
+            <pc:docMk/>
+            <pc:sldMk cId="287969150" sldId="256"/>
+            <ac:picMk id="5" creationId="{C7E57674-D46C-9874-D587-C37DADE4DF6F}"/>
+          </ac:picMkLst>
+        </pc:picChg>
+      </pc:sldChg>
+    </pc:docChg>
+  </pc:docChgLst>
+</pc:chgInfo>
 </file>
 
 <file path=ppt/slideLayouts/slideLayout1.xml><?xml version="1.0" encoding="utf-8"?>
@@ -334,7 +379,7 @@
           <a:p>
             <a:fld id="{E49B145E-7778-4539-A4AB-4C7D4D21C483}" type="datetimeFigureOut">
               <a:rPr lang="nl-NL" smtClean="0"/>
-              <a:t>24-9-2024</a:t>
+              <a:t>1-10-2024</a:t>
             </a:fld>
             <a:endParaRPr lang="nl-NL"/>
           </a:p>
@@ -625,7 +670,7 @@
           <a:p>
             <a:fld id="{E49B145E-7778-4539-A4AB-4C7D4D21C483}" type="datetimeFigureOut">
               <a:rPr lang="nl-NL" smtClean="0"/>
-              <a:t>24-9-2024</a:t>
+              <a:t>1-10-2024</a:t>
             </a:fld>
             <a:endParaRPr lang="nl-NL"/>
           </a:p>
@@ -884,7 +929,7 @@
           <a:p>
             <a:fld id="{E49B145E-7778-4539-A4AB-4C7D4D21C483}" type="datetimeFigureOut">
               <a:rPr lang="nl-NL" smtClean="0"/>
-              <a:t>24-9-2024</a:t>
+              <a:t>1-10-2024</a:t>
             </a:fld>
             <a:endParaRPr lang="nl-NL"/>
           </a:p>
@@ -1353,7 +1398,7 @@
           <a:p>
             <a:fld id="{E49B145E-7778-4539-A4AB-4C7D4D21C483}" type="datetimeFigureOut">
               <a:rPr lang="nl-NL" smtClean="0"/>
-              <a:t>24-9-2024</a:t>
+              <a:t>1-10-2024</a:t>
             </a:fld>
             <a:endParaRPr lang="nl-NL"/>
           </a:p>
@@ -1533,7 +1578,7 @@
           <a:p>
             <a:fld id="{E49B145E-7778-4539-A4AB-4C7D4D21C483}" type="datetimeFigureOut">
               <a:rPr lang="nl-NL" smtClean="0"/>
-              <a:t>24-9-2024</a:t>
+              <a:t>1-10-2024</a:t>
             </a:fld>
             <a:endParaRPr lang="nl-NL"/>
           </a:p>
@@ -2109,7 +2154,7 @@
           <a:p>
             <a:fld id="{E49B145E-7778-4539-A4AB-4C7D4D21C483}" type="datetimeFigureOut">
               <a:rPr lang="nl-NL" smtClean="0"/>
-              <a:t>24-9-2024</a:t>
+              <a:t>1-10-2024</a:t>
             </a:fld>
             <a:endParaRPr lang="nl-NL"/>
           </a:p>
@@ -2441,7 +2486,7 @@
           <a:p>
             <a:fld id="{E49B145E-7778-4539-A4AB-4C7D4D21C483}" type="datetimeFigureOut">
               <a:rPr lang="nl-NL" smtClean="0"/>
-              <a:t>24-9-2024</a:t>
+              <a:t>1-10-2024</a:t>
             </a:fld>
             <a:endParaRPr lang="nl-NL"/>
           </a:p>
@@ -2616,7 +2661,7 @@
           <a:p>
             <a:fld id="{E49B145E-7778-4539-A4AB-4C7D4D21C483}" type="datetimeFigureOut">
               <a:rPr lang="nl-NL" smtClean="0"/>
-              <a:t>24-9-2024</a:t>
+              <a:t>1-10-2024</a:t>
             </a:fld>
             <a:endParaRPr lang="nl-NL"/>
           </a:p>
@@ -2796,7 +2841,7 @@
           <a:p>
             <a:fld id="{E49B145E-7778-4539-A4AB-4C7D4D21C483}" type="datetimeFigureOut">
               <a:rPr lang="nl-NL" smtClean="0"/>
-              <a:t>24-9-2024</a:t>
+              <a:t>1-10-2024</a:t>
             </a:fld>
             <a:endParaRPr lang="nl-NL"/>
           </a:p>
@@ -2966,7 +3011,7 @@
           <a:p>
             <a:fld id="{E49B145E-7778-4539-A4AB-4C7D4D21C483}" type="datetimeFigureOut">
               <a:rPr lang="nl-NL" smtClean="0"/>
-              <a:t>24-9-2024</a:t>
+              <a:t>1-10-2024</a:t>
             </a:fld>
             <a:endParaRPr lang="nl-NL"/>
           </a:p>
@@ -3223,7 +3268,7 @@
           <a:p>
             <a:fld id="{E49B145E-7778-4539-A4AB-4C7D4D21C483}" type="datetimeFigureOut">
               <a:rPr lang="nl-NL" smtClean="0"/>
-              <a:t>24-9-2024</a:t>
+              <a:t>1-10-2024</a:t>
             </a:fld>
             <a:endParaRPr lang="nl-NL"/>
           </a:p>
@@ -3515,7 +3560,7 @@
           <a:p>
             <a:fld id="{E49B145E-7778-4539-A4AB-4C7D4D21C483}" type="datetimeFigureOut">
               <a:rPr lang="nl-NL" smtClean="0"/>
-              <a:t>24-9-2024</a:t>
+              <a:t>1-10-2024</a:t>
             </a:fld>
             <a:endParaRPr lang="nl-NL"/>
           </a:p>
@@ -3945,7 +3990,7 @@
           <a:p>
             <a:fld id="{E49B145E-7778-4539-A4AB-4C7D4D21C483}" type="datetimeFigureOut">
               <a:rPr lang="nl-NL" smtClean="0"/>
-              <a:t>24-9-2024</a:t>
+              <a:t>1-10-2024</a:t>
             </a:fld>
             <a:endParaRPr lang="nl-NL"/>
           </a:p>
@@ -4063,7 +4108,7 @@
           <a:p>
             <a:fld id="{E49B145E-7778-4539-A4AB-4C7D4D21C483}" type="datetimeFigureOut">
               <a:rPr lang="nl-NL" smtClean="0"/>
-              <a:t>24-9-2024</a:t>
+              <a:t>1-10-2024</a:t>
             </a:fld>
             <a:endParaRPr lang="nl-NL"/>
           </a:p>
@@ -4158,7 +4203,7 @@
           <a:p>
             <a:fld id="{E49B145E-7778-4539-A4AB-4C7D4D21C483}" type="datetimeFigureOut">
               <a:rPr lang="nl-NL" smtClean="0"/>
-              <a:t>24-9-2024</a:t>
+              <a:t>1-10-2024</a:t>
             </a:fld>
             <a:endParaRPr lang="nl-NL"/>
           </a:p>
@@ -4441,7 +4486,7 @@
           <a:p>
             <a:fld id="{E49B145E-7778-4539-A4AB-4C7D4D21C483}" type="datetimeFigureOut">
               <a:rPr lang="nl-NL" smtClean="0"/>
-              <a:t>24-9-2024</a:t>
+              <a:t>1-10-2024</a:t>
             </a:fld>
             <a:endParaRPr lang="nl-NL"/>
           </a:p>
@@ -4732,7 +4777,7 @@
           <a:p>
             <a:fld id="{E49B145E-7778-4539-A4AB-4C7D4D21C483}" type="datetimeFigureOut">
               <a:rPr lang="nl-NL" smtClean="0"/>
-              <a:t>24-9-2024</a:t>
+              <a:t>1-10-2024</a:t>
             </a:fld>
             <a:endParaRPr lang="nl-NL"/>
           </a:p>
@@ -4963,7 +5008,7 @@
           <a:p>
             <a:fld id="{E49B145E-7778-4539-A4AB-4C7D4D21C483}" type="datetimeFigureOut">
               <a:rPr lang="nl-NL" smtClean="0"/>
-              <a:t>24-9-2024</a:t>
+              <a:t>1-10-2024</a:t>
             </a:fld>
             <a:endParaRPr lang="nl-NL"/>
           </a:p>
@@ -5748,19 +5793,24 @@
             <p:ph type="ctrTitle"/>
           </p:nvPr>
         </p:nvSpPr>
-        <p:spPr/>
+        <p:spPr>
+          <a:xfrm>
+            <a:off x="1751012" y="609601"/>
+            <a:ext cx="8676222" cy="1905000"/>
+          </a:xfrm>
+        </p:spPr>
         <p:txBody>
           <a:bodyPr/>
           <a:lstStyle/>
           <a:p>
             <a:r>
-              <a:rPr lang="nl-NL"/>
+              <a:rPr lang="nl-NL" dirty="0"/>
               <a:t>Presentatie project 1</a:t>
             </a:r>
             <a:br>
-              <a:rPr lang="nl-NL"/>
+              <a:rPr lang="nl-NL" dirty="0"/>
             </a:br>
-            <a:endParaRPr lang="nl-NL"/>
+            <a:endParaRPr lang="nl-NL" dirty="0"/>
           </a:p>
         </p:txBody>
       </p:sp>
@@ -5785,40 +5835,7 @@
           <a:bodyPr/>
           <a:lstStyle/>
           <a:p>
-            <a:r>
-              <a:rPr lang="nl-NL" err="1">
-                <a:gradFill flip="none">
-                  <a:gsLst>
-                    <a:gs pos="0">
-                      <a:srgbClr val="FFFFFF"/>
-                    </a:gs>
-                    <a:gs pos="100000">
-                      <a:srgbClr val="FFFFFF"/>
-                    </a:gs>
-                  </a:gsLst>
-                  <a:lin ang="5400000" scaled="0"/>
-                  <a:tileRect/>
-                </a:gradFill>
-                <a:effectLst>
-                  <a:glow rad="38100">
-                    <a:prstClr val="black">
-                      <a:lumMod val="50000"/>
-                      <a:lumOff val="50000"/>
-                      <a:alpha val="20000"/>
-                    </a:prstClr>
-                  </a:glow>
-                  <a:outerShdw blurRad="44450" dist="12700" dir="13860000" algn="tl" rotWithShape="0">
-                    <a:srgbClr val="000000">
-                      <a:alpha val="20000"/>
-                    </a:srgbClr>
-                  </a:outerShdw>
-                </a:effectLst>
-              </a:rPr>
-              <a:t>Oioi</a:t>
-            </a:r>
-          </a:p>
-          <a:p>
-            <a:endParaRPr lang="nl-NL">
+            <a:endParaRPr lang="nl-NL" dirty="0">
               <a:gradFill flip="none">
                 <a:gsLst>
                   <a:gs pos="0">
@@ -5847,8 +5864,74 @@
               </a:effectLst>
             </a:endParaRPr>
           </a:p>
-        </p:txBody>
-      </p:sp>
+          <a:p>
+            <a:endParaRPr lang="nl-NL" dirty="0">
+              <a:gradFill flip="none">
+                <a:gsLst>
+                  <a:gs pos="0">
+                    <a:srgbClr val="FFFFFF"/>
+                  </a:gs>
+                  <a:gs pos="100000">
+                    <a:srgbClr val="FFFFFF"/>
+                  </a:gs>
+                </a:gsLst>
+                <a:lin ang="5400000" scaled="0"/>
+                <a:tileRect/>
+              </a:gradFill>
+              <a:effectLst>
+                <a:glow rad="38100">
+                  <a:prstClr val="black">
+                    <a:lumMod val="50000"/>
+                    <a:lumOff val="50000"/>
+                    <a:alpha val="20000"/>
+                  </a:prstClr>
+                </a:glow>
+                <a:outerShdw blurRad="44450" dist="12700" dir="13860000" algn="tl" rotWithShape="0">
+                  <a:srgbClr val="000000">
+                    <a:alpha val="20000"/>
+                  </a:srgbClr>
+                </a:outerShdw>
+              </a:effectLst>
+            </a:endParaRPr>
+          </a:p>
+        </p:txBody>
+      </p:sp>
+      <p:pic>
+        <p:nvPicPr>
+          <p:cNvPr id="5" name="Picture 4" descr="A group of people sitting in a room&#10;&#10;Description automatically generated">
+            <a:extLst>
+              <a:ext uri="{FF2B5EF4-FFF2-40B4-BE49-F238E27FC236}">
+                <a16:creationId xmlns:a16="http://schemas.microsoft.com/office/drawing/2014/main" id="{C7E57674-D46C-9874-D587-C37DADE4DF6F}"/>
+              </a:ext>
+            </a:extLst>
+          </p:cNvPr>
+          <p:cNvPicPr>
+            <a:picLocks noChangeAspect="1"/>
+          </p:cNvPicPr>
+          <p:nvPr/>
+        </p:nvPicPr>
+        <p:blipFill>
+          <a:blip r:embed="rId2">
+            <a:extLst>
+              <a:ext uri="{28A0092B-C50C-407E-A947-70E740481C1C}">
+                <a14:useLocalDpi xmlns:a14="http://schemas.microsoft.com/office/drawing/2010/main" val="0"/>
+              </a:ext>
+            </a:extLst>
+          </a:blip>
+          <a:stretch>
+            <a:fillRect/>
+          </a:stretch>
+        </p:blipFill>
+        <p:spPr>
+          <a:xfrm>
+            <a:off x="2202425" y="1911096"/>
+            <a:ext cx="8062452" cy="4514973"/>
+          </a:xfrm>
+          <a:prstGeom prst="rect">
+            <a:avLst/>
+          </a:prstGeom>
+        </p:spPr>
+      </p:pic>
     </p:spTree>
     <p:extLst>
       <p:ext uri="{BB962C8B-B14F-4D97-AF65-F5344CB8AC3E}">
@@ -5941,73 +6024,73 @@
           <a:lstStyle/>
           <a:p>
             <a:r>
-              <a:rPr lang="nl-NL" sz="4200"/>
+              <a:rPr lang="nl-NL" sz="4200" dirty="0"/>
               <a:t>Canvas</a:t>
             </a:r>
           </a:p>
           <a:p>
             <a:r>
-              <a:rPr lang="nl-NL" sz="4200"/>
+              <a:rPr lang="nl-NL" sz="4200" dirty="0"/>
               <a:t>Regels, rechten en plichten </a:t>
             </a:r>
           </a:p>
           <a:p>
             <a:r>
-              <a:rPr lang="nl-NL" sz="4200"/>
+              <a:rPr lang="nl-NL" sz="4200" dirty="0"/>
               <a:t>BSA</a:t>
             </a:r>
           </a:p>
           <a:p>
             <a:r>
-              <a:rPr lang="nl-NL" sz="4200"/>
+              <a:rPr lang="nl-NL" sz="4200" dirty="0"/>
               <a:t>Studentenstatuut</a:t>
             </a:r>
           </a:p>
           <a:p>
             <a:r>
-              <a:rPr lang="nl-NL" sz="4200"/>
+              <a:rPr lang="nl-NL" sz="4200" dirty="0"/>
               <a:t>Software</a:t>
             </a:r>
           </a:p>
           <a:p>
             <a:r>
-              <a:rPr lang="nl-NL" sz="4200"/>
+              <a:rPr lang="nl-NL" sz="4200" dirty="0"/>
               <a:t>Interne begeleiding</a:t>
             </a:r>
           </a:p>
           <a:p>
             <a:r>
-              <a:rPr lang="nl-NL" sz="4200" err="1"/>
+              <a:rPr lang="nl-NL" sz="4200" dirty="0" err="1"/>
               <a:t>Eduarte</a:t>
             </a:r>
-            <a:endParaRPr lang="nl-NL" sz="4200"/>
-          </a:p>
-          <a:p>
-            <a:r>
-              <a:rPr lang="nl-NL" sz="4200"/>
+            <a:endParaRPr lang="nl-NL" sz="4200" dirty="0"/>
+          </a:p>
+          <a:p>
+            <a:r>
+              <a:rPr lang="nl-NL" sz="4200" dirty="0"/>
               <a:t>SLB</a:t>
             </a:r>
           </a:p>
           <a:p>
             <a:r>
-              <a:rPr lang="nl-NL" sz="4200"/>
+              <a:rPr lang="nl-NL" sz="4200" dirty="0"/>
               <a:t>Opleidingswijzer</a:t>
             </a:r>
           </a:p>
           <a:p>
             <a:r>
-              <a:rPr lang="nl-NL" sz="4200"/>
+              <a:rPr lang="nl-NL" sz="4200" dirty="0"/>
               <a:t>Examenplan</a:t>
             </a:r>
           </a:p>
           <a:p>
             <a:r>
-              <a:rPr lang="nl-NL" sz="4200"/>
+              <a:rPr lang="nl-NL" sz="4200" dirty="0"/>
               <a:t>Locatiegids </a:t>
             </a:r>
           </a:p>
           <a:p>
-            <a:endParaRPr lang="nl-NL"/>
+            <a:endParaRPr lang="nl-NL" dirty="0"/>
           </a:p>
         </p:txBody>
       </p:sp>
@@ -6287,6 +6370,15 @@
 </file>
 
 <file path=customXml/item2.xml><?xml version="1.0" encoding="utf-8"?>
+<?mso-contentType ?>
+<FormTemplates xmlns="http://schemas.microsoft.com/sharepoint/v3/contenttype/forms">
+  <Display>DocumentLibraryForm</Display>
+  <Edit>DocumentLibraryForm</Edit>
+  <New>DocumentLibraryForm</New>
+</FormTemplates>
+</file>
+
+<file path=customXml/item3.xml><?xml version="1.0" encoding="utf-8"?>
 <ct:contentTypeSchema xmlns:ct="http://schemas.microsoft.com/office/2006/metadata/contentType" xmlns:ma="http://schemas.microsoft.com/office/2006/metadata/properties/metaAttributes" ct:_="" ma:_="" ma:contentTypeName="Document" ma:contentTypeID="0x010100ACC51448D612684EB3C719E582B11129" ma:contentTypeVersion="5" ma:contentTypeDescription="Een nieuw document maken." ma:contentTypeScope="" ma:versionID="914cb7770fa3b32b1cb0fd762e39aeb7">
   <xsd:schema xmlns:xsd="http://www.w3.org/2001/XMLSchema" xmlns:xs="http://www.w3.org/2001/XMLSchema" xmlns:p="http://schemas.microsoft.com/office/2006/metadata/properties" xmlns:ns3="d3131555-3d79-4b15-a6d0-ae746f0b3cf6" targetNamespace="http://schemas.microsoft.com/office/2006/metadata/properties" ma:root="true" ma:fieldsID="abf76cedbc9a9f15d62a57eeecb760ee" ns3:_="">
     <xsd:import namespace="d3131555-3d79-4b15-a6d0-ae746f0b3cf6"/>
@@ -6436,15 +6528,6 @@
 </ct:contentTypeSchema>
 </file>
 
-<file path=customXml/item3.xml><?xml version="1.0" encoding="utf-8"?>
-<?mso-contentType ?>
-<FormTemplates xmlns="http://schemas.microsoft.com/sharepoint/v3/contenttype/forms">
-  <Display>DocumentLibraryForm</Display>
-  <Edit>DocumentLibraryForm</Edit>
-  <New>DocumentLibraryForm</New>
-</FormTemplates>
-</file>
-
 <file path=customXml/itemProps1.xml><?xml version="1.0" encoding="utf-8"?>
 <ds:datastoreItem xmlns:ds="http://schemas.openxmlformats.org/officeDocument/2006/customXml" ds:itemID="{426CC2C7-0C3A-49B7-BB0C-C4579BD86AA5}">
   <ds:schemaRefs>
@@ -6462,6 +6545,14 @@
 </file>
 
 <file path=customXml/itemProps2.xml><?xml version="1.0" encoding="utf-8"?>
+<ds:datastoreItem xmlns:ds="http://schemas.openxmlformats.org/officeDocument/2006/customXml" ds:itemID="{C11C1C83-8461-430A-BEB1-B65C6BB1992D}">
+  <ds:schemaRefs>
+    <ds:schemaRef ds:uri="http://schemas.microsoft.com/sharepoint/v3/contenttype/forms"/>
+  </ds:schemaRefs>
+</ds:datastoreItem>
+</file>
+
+<file path=customXml/itemProps3.xml><?xml version="1.0" encoding="utf-8"?>
 <ds:datastoreItem xmlns:ds="http://schemas.openxmlformats.org/officeDocument/2006/customXml" ds:itemID="{FFB2F658-779B-4C65-B165-E1CA51F8A1F8}">
   <ds:schemaRefs>
     <ds:schemaRef ds:uri="d3131555-3d79-4b15-a6d0-ae746f0b3cf6"/>
@@ -6477,12 +6568,4 @@
     <ds:schemaRef ds:uri="http://www.w3.org/2001/XMLSchema"/>
   </ds:schemaRefs>
 </ds:datastoreItem>
-</file>
-
-<file path=customXml/itemProps3.xml><?xml version="1.0" encoding="utf-8"?>
-<ds:datastoreItem xmlns:ds="http://schemas.openxmlformats.org/officeDocument/2006/customXml" ds:itemID="{C11C1C83-8461-430A-BEB1-B65C6BB1992D}">
-  <ds:schemaRefs>
-    <ds:schemaRef ds:uri="http://schemas.microsoft.com/sharepoint/v3/contenttype/forms"/>
-  </ds:schemaRefs>
-</ds:datastoreItem>
 </file>